--- a/양식2.pptx
+++ b/양식2.pptx
@@ -5,7 +5,7 @@
     <p:sldMasterId id="2147483648" r:id="rId1"/>
   </p:sldMasterIdLst>
   <p:notesMasterIdLst>
-    <p:notesMasterId r:id="rId15"/>
+    <p:notesMasterId r:id="rId17"/>
   </p:notesMasterIdLst>
   <p:sldIdLst>
     <p:sldId id="264" r:id="rId2"/>
@@ -21,6 +21,8 @@
     <p:sldId id="274" r:id="rId12"/>
     <p:sldId id="275" r:id="rId13"/>
     <p:sldId id="276" r:id="rId14"/>
+    <p:sldId id="277" r:id="rId15"/>
+    <p:sldId id="278" r:id="rId16"/>
   </p:sldIdLst>
   <p:sldSz cx="10693400" cy="7561263"/>
   <p:notesSz cx="6807200" cy="9939338"/>
@@ -220,7 +222,7 @@
           <a:p>
             <a:fld id="{04FD9B66-E4C8-4943-81FF-076B9424E259}" type="datetimeFigureOut">
               <a:rPr lang="ko-KR" altLang="en-US" smtClean="0"/>
-              <a:t>2022-04-04</a:t>
+              <a:t>2022-06-16</a:t>
             </a:fld>
             <a:endParaRPr lang="ko-KR" altLang="en-US"/>
           </a:p>
@@ -666,7 +668,7 @@
           <a:p>
             <a:fld id="{DEB04459-77A1-459B-84E6-AB5CF6BAEB25}" type="datetimeFigureOut">
               <a:rPr lang="ko-KR" altLang="en-US" smtClean="0"/>
-              <a:t>2022-04-04</a:t>
+              <a:t>2022-06-16</a:t>
             </a:fld>
             <a:endParaRPr lang="ko-KR" altLang="en-US"/>
           </a:p>
@@ -834,7 +836,7 @@
           <a:p>
             <a:fld id="{DEB04459-77A1-459B-84E6-AB5CF6BAEB25}" type="datetimeFigureOut">
               <a:rPr lang="ko-KR" altLang="en-US" smtClean="0"/>
-              <a:t>2022-04-04</a:t>
+              <a:t>2022-06-16</a:t>
             </a:fld>
             <a:endParaRPr lang="ko-KR" altLang="en-US"/>
           </a:p>
@@ -1012,7 +1014,7 @@
           <a:p>
             <a:fld id="{DEB04459-77A1-459B-84E6-AB5CF6BAEB25}" type="datetimeFigureOut">
               <a:rPr lang="ko-KR" altLang="en-US" smtClean="0"/>
-              <a:t>2022-04-04</a:t>
+              <a:t>2022-06-16</a:t>
             </a:fld>
             <a:endParaRPr lang="ko-KR" altLang="en-US"/>
           </a:p>
@@ -1180,7 +1182,7 @@
           <a:p>
             <a:fld id="{DEB04459-77A1-459B-84E6-AB5CF6BAEB25}" type="datetimeFigureOut">
               <a:rPr lang="ko-KR" altLang="en-US" smtClean="0"/>
-              <a:t>2022-04-04</a:t>
+              <a:t>2022-06-16</a:t>
             </a:fld>
             <a:endParaRPr lang="ko-KR" altLang="en-US"/>
           </a:p>
@@ -1425,7 +1427,7 @@
           <a:p>
             <a:fld id="{DEB04459-77A1-459B-84E6-AB5CF6BAEB25}" type="datetimeFigureOut">
               <a:rPr lang="ko-KR" altLang="en-US" smtClean="0"/>
-              <a:t>2022-04-04</a:t>
+              <a:t>2022-06-16</a:t>
             </a:fld>
             <a:endParaRPr lang="ko-KR" altLang="en-US"/>
           </a:p>
@@ -1710,7 +1712,7 @@
           <a:p>
             <a:fld id="{DEB04459-77A1-459B-84E6-AB5CF6BAEB25}" type="datetimeFigureOut">
               <a:rPr lang="ko-KR" altLang="en-US" smtClean="0"/>
-              <a:t>2022-04-04</a:t>
+              <a:t>2022-06-16</a:t>
             </a:fld>
             <a:endParaRPr lang="ko-KR" altLang="en-US"/>
           </a:p>
@@ -2129,7 +2131,7 @@
           <a:p>
             <a:fld id="{DEB04459-77A1-459B-84E6-AB5CF6BAEB25}" type="datetimeFigureOut">
               <a:rPr lang="ko-KR" altLang="en-US" smtClean="0"/>
-              <a:t>2022-04-04</a:t>
+              <a:t>2022-06-16</a:t>
             </a:fld>
             <a:endParaRPr lang="ko-KR" altLang="en-US"/>
           </a:p>
@@ -2246,7 +2248,7 @@
           <a:p>
             <a:fld id="{DEB04459-77A1-459B-84E6-AB5CF6BAEB25}" type="datetimeFigureOut">
               <a:rPr lang="ko-KR" altLang="en-US" smtClean="0"/>
-              <a:t>2022-04-04</a:t>
+              <a:t>2022-06-16</a:t>
             </a:fld>
             <a:endParaRPr lang="ko-KR" altLang="en-US"/>
           </a:p>
@@ -2341,7 +2343,7 @@
           <a:p>
             <a:fld id="{DEB04459-77A1-459B-84E6-AB5CF6BAEB25}" type="datetimeFigureOut">
               <a:rPr lang="ko-KR" altLang="en-US" smtClean="0"/>
-              <a:t>2022-04-04</a:t>
+              <a:t>2022-06-16</a:t>
             </a:fld>
             <a:endParaRPr lang="ko-KR" altLang="en-US"/>
           </a:p>
@@ -2616,7 +2618,7 @@
           <a:p>
             <a:fld id="{DEB04459-77A1-459B-84E6-AB5CF6BAEB25}" type="datetimeFigureOut">
               <a:rPr lang="ko-KR" altLang="en-US" smtClean="0"/>
-              <a:t>2022-04-04</a:t>
+              <a:t>2022-06-16</a:t>
             </a:fld>
             <a:endParaRPr lang="ko-KR" altLang="en-US"/>
           </a:p>
@@ -2868,7 +2870,7 @@
           <a:p>
             <a:fld id="{DEB04459-77A1-459B-84E6-AB5CF6BAEB25}" type="datetimeFigureOut">
               <a:rPr lang="ko-KR" altLang="en-US" smtClean="0"/>
-              <a:t>2022-04-04</a:t>
+              <a:t>2022-06-16</a:t>
             </a:fld>
             <a:endParaRPr lang="ko-KR" altLang="en-US"/>
           </a:p>
@@ -3079,7 +3081,7 @@
           <a:p>
             <a:fld id="{DEB04459-77A1-459B-84E6-AB5CF6BAEB25}" type="datetimeFigureOut">
               <a:rPr lang="ko-KR" altLang="en-US" smtClean="0"/>
-              <a:t>2022-04-04</a:t>
+              <a:t>2022-06-16</a:t>
             </a:fld>
             <a:endParaRPr lang="ko-KR" altLang="en-US"/>
           </a:p>
@@ -4763,6 +4765,540 @@
     <p:extLst>
       <p:ext uri="{BB962C8B-B14F-4D97-AF65-F5344CB8AC3E}">
         <p14:creationId xmlns:p14="http://schemas.microsoft.com/office/powerpoint/2010/main" val="2950116604"/>
+      </p:ext>
+    </p:extLst>
+  </p:cSld>
+  <p:clrMapOvr>
+    <a:masterClrMapping/>
+  </p:clrMapOvr>
+</p:sld>
+</file>
+
+<file path=ppt/slides/slide14.xml><?xml version="1.0" encoding="utf-8"?>
+<p:sld xmlns:a="http://schemas.openxmlformats.org/drawingml/2006/main" xmlns:r="http://schemas.openxmlformats.org/officeDocument/2006/relationships" xmlns:p="http://schemas.openxmlformats.org/presentationml/2006/main">
+  <p:cSld>
+    <p:spTree>
+      <p:nvGrpSpPr>
+        <p:cNvPr id="1" name=""/>
+        <p:cNvGrpSpPr/>
+        <p:nvPr/>
+      </p:nvGrpSpPr>
+      <p:grpSpPr>
+        <a:xfrm>
+          <a:off x="0" y="0"/>
+          <a:ext cx="0" cy="0"/>
+          <a:chOff x="0" y="0"/>
+          <a:chExt cx="0" cy="0"/>
+        </a:xfrm>
+      </p:grpSpPr>
+      <p:sp>
+        <p:nvSpPr>
+          <p:cNvPr id="9" name="직사각형 8"/>
+          <p:cNvSpPr/>
+          <p:nvPr/>
+        </p:nvSpPr>
+        <p:spPr>
+          <a:xfrm>
+            <a:off x="3150" y="1149808"/>
+            <a:ext cx="10687100" cy="6398607"/>
+          </a:xfrm>
+          <a:prstGeom prst="rect">
+            <a:avLst/>
+          </a:prstGeom>
+          <a:noFill/>
+          <a:ln w="3175"/>
+        </p:spPr>
+        <p:style>
+          <a:lnRef idx="2">
+            <a:schemeClr val="accent1">
+              <a:shade val="50000"/>
+            </a:schemeClr>
+          </a:lnRef>
+          <a:fillRef idx="1">
+            <a:schemeClr val="accent1"/>
+          </a:fillRef>
+          <a:effectRef idx="0">
+            <a:schemeClr val="accent1"/>
+          </a:effectRef>
+          <a:fontRef idx="minor">
+            <a:schemeClr val="lt1"/>
+          </a:fontRef>
+        </p:style>
+        <p:txBody>
+          <a:bodyPr lIns="98173" tIns="49087" rIns="98173" bIns="49087" rtlCol="0" anchor="ctr"/>
+          <a:lstStyle/>
+          <a:p>
+            <a:pPr algn="ctr"/>
+            <a:endParaRPr lang="ko-KR" altLang="en-US" dirty="0"/>
+          </a:p>
+        </p:txBody>
+      </p:sp>
+      <p:sp>
+        <p:nvSpPr>
+          <p:cNvPr id="19" name="name"/>
+          <p:cNvSpPr txBox="1">
+            <a:spLocks/>
+          </p:cNvSpPr>
+          <p:nvPr/>
+        </p:nvSpPr>
+        <p:spPr>
+          <a:xfrm>
+            <a:off x="3150" y="2729156"/>
+            <a:ext cx="10701276" cy="2910858"/>
+          </a:xfrm>
+          <a:prstGeom prst="rect">
+            <a:avLst/>
+          </a:prstGeom>
+        </p:spPr>
+        <p:txBody>
+          <a:bodyPr vert="horz" lIns="98173" tIns="49087" rIns="98173" bIns="49087" rtlCol="0" anchor="ctr">
+            <a:normAutofit/>
+          </a:bodyPr>
+          <a:lstStyle>
+            <a:lvl1pPr algn="ctr" defTabSz="914400" rtl="0" eaLnBrk="1" latinLnBrk="1" hangingPunct="1">
+              <a:spcBef>
+                <a:spcPct val="0"/>
+              </a:spcBef>
+              <a:buNone/>
+              <a:defRPr sz="4400" kern="1200">
+                <a:solidFill>
+                  <a:schemeClr val="tx1"/>
+                </a:solidFill>
+                <a:latin typeface="+mj-lt"/>
+                <a:ea typeface="+mj-ea"/>
+                <a:cs typeface="+mj-cs"/>
+              </a:defRPr>
+            </a:lvl1pPr>
+          </a:lstStyle>
+          <a:p>
+            <a:r>
+              <a:rPr lang="ko-KR" altLang="en-US" sz="13300" spc="-161" dirty="0">
+                <a:latin typeface="다음_Regular" pitchFamily="2" charset="-127"/>
+                <a:ea typeface="다음_Regular" pitchFamily="2" charset="-127"/>
+              </a:rPr>
+              <a:t>홍 길 동</a:t>
+            </a:r>
+          </a:p>
+        </p:txBody>
+      </p:sp>
+      <p:pic>
+        <p:nvPicPr>
+          <p:cNvPr id="7" name="Picture 3">
+            <a:extLst>
+              <a:ext uri="{FF2B5EF4-FFF2-40B4-BE49-F238E27FC236}">
+                <a16:creationId xmlns:a16="http://schemas.microsoft.com/office/drawing/2014/main" id="{0257DC5D-C1D4-4F7D-BE1F-2BBEBF692CEC}"/>
+              </a:ext>
+            </a:extLst>
+          </p:cNvPr>
+          <p:cNvPicPr>
+            <a:picLocks noChangeAspect="1" noChangeArrowheads="1"/>
+          </p:cNvPicPr>
+          <p:nvPr/>
+        </p:nvPicPr>
+        <p:blipFill>
+          <a:blip r:embed="rId2">
+            <a:extLst>
+              <a:ext uri="{28A0092B-C50C-407E-A947-70E740481C1C}">
+                <a14:useLocalDpi xmlns:a14="http://schemas.microsoft.com/office/drawing/2010/main" val="0"/>
+              </a:ext>
+            </a:extLst>
+          </a:blip>
+          <a:srcRect/>
+          <a:stretch>
+            <a:fillRect/>
+          </a:stretch>
+        </p:blipFill>
+        <p:spPr bwMode="auto">
+          <a:xfrm>
+            <a:off x="0" y="-3846"/>
+            <a:ext cx="10687100" cy="1186461"/>
+          </a:xfrm>
+          <a:prstGeom prst="rect">
+            <a:avLst/>
+          </a:prstGeom>
+          <a:noFill/>
+          <a:ln>
+            <a:noFill/>
+          </a:ln>
+          <a:extLst>
+            <a:ext uri="{909E8E84-426E-40DD-AFC4-6F175D3DCCD1}">
+              <a14:hiddenFill xmlns:a14="http://schemas.microsoft.com/office/drawing/2010/main">
+                <a:solidFill>
+                  <a:schemeClr val="accent1"/>
+                </a:solidFill>
+              </a14:hiddenFill>
+            </a:ext>
+            <a:ext uri="{91240B29-F687-4F45-9708-019B960494DF}">
+              <a14:hiddenLine xmlns:a14="http://schemas.microsoft.com/office/drawing/2010/main" w="9525">
+                <a:solidFill>
+                  <a:schemeClr val="tx1"/>
+                </a:solidFill>
+                <a:miter lim="800000"/>
+                <a:headEnd/>
+                <a:tailEnd/>
+              </a14:hiddenLine>
+            </a:ext>
+          </a:extLst>
+        </p:spPr>
+      </p:pic>
+      <p:pic>
+        <p:nvPicPr>
+          <p:cNvPr id="8" name="logo" descr="F:\★인천관광공사-디자인자료\★인천시_인천관광공사등-CI,BI\인천관광공사CI\공사CI-국문\인천관광공사-국문(가로)-흰색.png">
+            <a:extLst>
+              <a:ext uri="{FF2B5EF4-FFF2-40B4-BE49-F238E27FC236}">
+                <a16:creationId xmlns:a16="http://schemas.microsoft.com/office/drawing/2014/main" id="{FE3FB888-6DB7-4FBF-9202-ECED80ADCEAA}"/>
+              </a:ext>
+            </a:extLst>
+          </p:cNvPr>
+          <p:cNvPicPr>
+            <a:picLocks noChangeAspect="1" noChangeArrowheads="1"/>
+          </p:cNvPicPr>
+          <p:nvPr/>
+        </p:nvPicPr>
+        <p:blipFill>
+          <a:blip r:embed="rId3" cstate="print">
+            <a:extLst>
+              <a:ext uri="{28A0092B-C50C-407E-A947-70E740481C1C}">
+                <a14:useLocalDpi xmlns:a14="http://schemas.microsoft.com/office/drawing/2010/main" val="0"/>
+              </a:ext>
+            </a:extLst>
+          </a:blip>
+          <a:srcRect/>
+          <a:stretch>
+            <a:fillRect/>
+          </a:stretch>
+        </p:blipFill>
+        <p:spPr bwMode="auto">
+          <a:xfrm>
+            <a:off x="143349" y="192931"/>
+            <a:ext cx="1912287" cy="702824"/>
+          </a:xfrm>
+          <a:prstGeom prst="rect">
+            <a:avLst/>
+          </a:prstGeom>
+          <a:noFill/>
+          <a:extLst>
+            <a:ext uri="{909E8E84-426E-40DD-AFC4-6F175D3DCCD1}">
+              <a14:hiddenFill xmlns:a14="http://schemas.microsoft.com/office/drawing/2010/main">
+                <a:solidFill>
+                  <a:srgbClr val="FFFFFF"/>
+                </a:solidFill>
+              </a14:hiddenFill>
+            </a:ext>
+          </a:extLst>
+        </p:spPr>
+      </p:pic>
+      <p:sp>
+        <p:nvSpPr>
+          <p:cNvPr id="10" name="pos">
+            <a:extLst>
+              <a:ext uri="{FF2B5EF4-FFF2-40B4-BE49-F238E27FC236}">
+                <a16:creationId xmlns:a16="http://schemas.microsoft.com/office/drawing/2014/main" id="{69CCBC22-6BCD-491C-BD78-5C458EA056F7}"/>
+              </a:ext>
+            </a:extLst>
+          </p:cNvPr>
+          <p:cNvSpPr txBox="1"/>
+          <p:nvPr/>
+        </p:nvSpPr>
+        <p:spPr>
+          <a:xfrm>
+            <a:off x="17326" y="305083"/>
+            <a:ext cx="10687100" cy="523220"/>
+          </a:xfrm>
+          <a:prstGeom prst="rect">
+            <a:avLst/>
+          </a:prstGeom>
+          <a:noFill/>
+        </p:spPr>
+        <p:txBody>
+          <a:bodyPr wrap="square" rtlCol="0">
+            <a:spAutoFit/>
+          </a:bodyPr>
+          <a:lstStyle/>
+          <a:p>
+            <a:pPr algn="ctr"/>
+            <a:r>
+              <a:rPr lang="ko-KR" altLang="en-US" sz="2800" b="1" dirty="0">
+                <a:solidFill>
+                  <a:schemeClr val="bg1"/>
+                </a:solidFill>
+              </a:rPr>
+              <a:t>기획조정실장</a:t>
+            </a:r>
+          </a:p>
+        </p:txBody>
+      </p:sp>
+    </p:spTree>
+    <p:extLst>
+      <p:ext uri="{BB962C8B-B14F-4D97-AF65-F5344CB8AC3E}">
+        <p14:creationId xmlns:p14="http://schemas.microsoft.com/office/powerpoint/2010/main" val="3209873221"/>
+      </p:ext>
+    </p:extLst>
+  </p:cSld>
+  <p:clrMapOvr>
+    <a:masterClrMapping/>
+  </p:clrMapOvr>
+</p:sld>
+</file>
+
+<file path=ppt/slides/slide15.xml><?xml version="1.0" encoding="utf-8"?>
+<p:sld xmlns:a="http://schemas.openxmlformats.org/drawingml/2006/main" xmlns:r="http://schemas.openxmlformats.org/officeDocument/2006/relationships" xmlns:p="http://schemas.openxmlformats.org/presentationml/2006/main">
+  <p:cSld>
+    <p:spTree>
+      <p:nvGrpSpPr>
+        <p:cNvPr id="1" name=""/>
+        <p:cNvGrpSpPr/>
+        <p:nvPr/>
+      </p:nvGrpSpPr>
+      <p:grpSpPr>
+        <a:xfrm>
+          <a:off x="0" y="0"/>
+          <a:ext cx="0" cy="0"/>
+          <a:chOff x="0" y="0"/>
+          <a:chExt cx="0" cy="0"/>
+        </a:xfrm>
+      </p:grpSpPr>
+      <p:sp>
+        <p:nvSpPr>
+          <p:cNvPr id="9" name="직사각형 8"/>
+          <p:cNvSpPr/>
+          <p:nvPr/>
+        </p:nvSpPr>
+        <p:spPr>
+          <a:xfrm>
+            <a:off x="3150" y="1149808"/>
+            <a:ext cx="10687100" cy="6398607"/>
+          </a:xfrm>
+          <a:prstGeom prst="rect">
+            <a:avLst/>
+          </a:prstGeom>
+          <a:noFill/>
+          <a:ln w="3175"/>
+        </p:spPr>
+        <p:style>
+          <a:lnRef idx="2">
+            <a:schemeClr val="accent1">
+              <a:shade val="50000"/>
+            </a:schemeClr>
+          </a:lnRef>
+          <a:fillRef idx="1">
+            <a:schemeClr val="accent1"/>
+          </a:fillRef>
+          <a:effectRef idx="0">
+            <a:schemeClr val="accent1"/>
+          </a:effectRef>
+          <a:fontRef idx="minor">
+            <a:schemeClr val="lt1"/>
+          </a:fontRef>
+        </p:style>
+        <p:txBody>
+          <a:bodyPr lIns="98173" tIns="49087" rIns="98173" bIns="49087" rtlCol="0" anchor="ctr"/>
+          <a:lstStyle/>
+          <a:p>
+            <a:pPr algn="ctr"/>
+            <a:endParaRPr lang="ko-KR" altLang="en-US" dirty="0"/>
+          </a:p>
+        </p:txBody>
+      </p:sp>
+      <p:sp>
+        <p:nvSpPr>
+          <p:cNvPr id="19" name="name"/>
+          <p:cNvSpPr txBox="1">
+            <a:spLocks/>
+          </p:cNvSpPr>
+          <p:nvPr/>
+        </p:nvSpPr>
+        <p:spPr>
+          <a:xfrm>
+            <a:off x="3150" y="2729156"/>
+            <a:ext cx="10701276" cy="2910858"/>
+          </a:xfrm>
+          <a:prstGeom prst="rect">
+            <a:avLst/>
+          </a:prstGeom>
+        </p:spPr>
+        <p:txBody>
+          <a:bodyPr vert="horz" lIns="98173" tIns="49087" rIns="98173" bIns="49087" rtlCol="0" anchor="ctr">
+            <a:normAutofit/>
+          </a:bodyPr>
+          <a:lstStyle>
+            <a:lvl1pPr algn="ctr" defTabSz="914400" rtl="0" eaLnBrk="1" latinLnBrk="1" hangingPunct="1">
+              <a:spcBef>
+                <a:spcPct val="0"/>
+              </a:spcBef>
+              <a:buNone/>
+              <a:defRPr sz="4400" kern="1200">
+                <a:solidFill>
+                  <a:schemeClr val="tx1"/>
+                </a:solidFill>
+                <a:latin typeface="+mj-lt"/>
+                <a:ea typeface="+mj-ea"/>
+                <a:cs typeface="+mj-cs"/>
+              </a:defRPr>
+            </a:lvl1pPr>
+          </a:lstStyle>
+          <a:p>
+            <a:r>
+              <a:rPr lang="ko-KR" altLang="en-US" sz="13300" spc="-161" dirty="0">
+                <a:latin typeface="다음_Regular" pitchFamily="2" charset="-127"/>
+                <a:ea typeface="다음_Regular" pitchFamily="2" charset="-127"/>
+              </a:rPr>
+              <a:t>홍 길 동</a:t>
+            </a:r>
+          </a:p>
+        </p:txBody>
+      </p:sp>
+      <p:pic>
+        <p:nvPicPr>
+          <p:cNvPr id="7" name="Picture 3">
+            <a:extLst>
+              <a:ext uri="{FF2B5EF4-FFF2-40B4-BE49-F238E27FC236}">
+                <a16:creationId xmlns:a16="http://schemas.microsoft.com/office/drawing/2014/main" id="{0257DC5D-C1D4-4F7D-BE1F-2BBEBF692CEC}"/>
+              </a:ext>
+            </a:extLst>
+          </p:cNvPr>
+          <p:cNvPicPr>
+            <a:picLocks noChangeAspect="1" noChangeArrowheads="1"/>
+          </p:cNvPicPr>
+          <p:nvPr/>
+        </p:nvPicPr>
+        <p:blipFill>
+          <a:blip r:embed="rId2">
+            <a:extLst>
+              <a:ext uri="{28A0092B-C50C-407E-A947-70E740481C1C}">
+                <a14:useLocalDpi xmlns:a14="http://schemas.microsoft.com/office/drawing/2010/main" val="0"/>
+              </a:ext>
+            </a:extLst>
+          </a:blip>
+          <a:srcRect/>
+          <a:stretch>
+            <a:fillRect/>
+          </a:stretch>
+        </p:blipFill>
+        <p:spPr bwMode="auto">
+          <a:xfrm>
+            <a:off x="0" y="-3846"/>
+            <a:ext cx="10687100" cy="1186461"/>
+          </a:xfrm>
+          <a:prstGeom prst="rect">
+            <a:avLst/>
+          </a:prstGeom>
+          <a:noFill/>
+          <a:ln>
+            <a:noFill/>
+          </a:ln>
+          <a:extLst>
+            <a:ext uri="{909E8E84-426E-40DD-AFC4-6F175D3DCCD1}">
+              <a14:hiddenFill xmlns:a14="http://schemas.microsoft.com/office/drawing/2010/main">
+                <a:solidFill>
+                  <a:schemeClr val="accent1"/>
+                </a:solidFill>
+              </a14:hiddenFill>
+            </a:ext>
+            <a:ext uri="{91240B29-F687-4F45-9708-019B960494DF}">
+              <a14:hiddenLine xmlns:a14="http://schemas.microsoft.com/office/drawing/2010/main" w="9525">
+                <a:solidFill>
+                  <a:schemeClr val="tx1"/>
+                </a:solidFill>
+                <a:miter lim="800000"/>
+                <a:headEnd/>
+                <a:tailEnd/>
+              </a14:hiddenLine>
+            </a:ext>
+          </a:extLst>
+        </p:spPr>
+      </p:pic>
+      <p:pic>
+        <p:nvPicPr>
+          <p:cNvPr id="8" name="logo" descr="F:\★인천관광공사-디자인자료\★인천시_인천관광공사등-CI,BI\인천관광공사CI\공사CI-국문\인천관광공사-국문(가로)-흰색.png">
+            <a:extLst>
+              <a:ext uri="{FF2B5EF4-FFF2-40B4-BE49-F238E27FC236}">
+                <a16:creationId xmlns:a16="http://schemas.microsoft.com/office/drawing/2014/main" id="{FE3FB888-6DB7-4FBF-9202-ECED80ADCEAA}"/>
+              </a:ext>
+            </a:extLst>
+          </p:cNvPr>
+          <p:cNvPicPr>
+            <a:picLocks noChangeAspect="1" noChangeArrowheads="1"/>
+          </p:cNvPicPr>
+          <p:nvPr/>
+        </p:nvPicPr>
+        <p:blipFill>
+          <a:blip r:embed="rId3" cstate="print">
+            <a:extLst>
+              <a:ext uri="{28A0092B-C50C-407E-A947-70E740481C1C}">
+                <a14:useLocalDpi xmlns:a14="http://schemas.microsoft.com/office/drawing/2010/main" val="0"/>
+              </a:ext>
+            </a:extLst>
+          </a:blip>
+          <a:srcRect/>
+          <a:stretch>
+            <a:fillRect/>
+          </a:stretch>
+        </p:blipFill>
+        <p:spPr bwMode="auto">
+          <a:xfrm>
+            <a:off x="143349" y="192931"/>
+            <a:ext cx="1912287" cy="702824"/>
+          </a:xfrm>
+          <a:prstGeom prst="rect">
+            <a:avLst/>
+          </a:prstGeom>
+          <a:noFill/>
+          <a:extLst>
+            <a:ext uri="{909E8E84-426E-40DD-AFC4-6F175D3DCCD1}">
+              <a14:hiddenFill xmlns:a14="http://schemas.microsoft.com/office/drawing/2010/main">
+                <a:solidFill>
+                  <a:srgbClr val="FFFFFF"/>
+                </a:solidFill>
+              </a14:hiddenFill>
+            </a:ext>
+          </a:extLst>
+        </p:spPr>
+      </p:pic>
+      <p:sp>
+        <p:nvSpPr>
+          <p:cNvPr id="10" name="pos">
+            <a:extLst>
+              <a:ext uri="{FF2B5EF4-FFF2-40B4-BE49-F238E27FC236}">
+                <a16:creationId xmlns:a16="http://schemas.microsoft.com/office/drawing/2014/main" id="{69CCBC22-6BCD-491C-BD78-5C458EA056F7}"/>
+              </a:ext>
+            </a:extLst>
+          </p:cNvPr>
+          <p:cNvSpPr txBox="1"/>
+          <p:nvPr/>
+        </p:nvSpPr>
+        <p:spPr>
+          <a:xfrm>
+            <a:off x="17326" y="305083"/>
+            <a:ext cx="10687100" cy="523220"/>
+          </a:xfrm>
+          <a:prstGeom prst="rect">
+            <a:avLst/>
+          </a:prstGeom>
+          <a:noFill/>
+        </p:spPr>
+        <p:txBody>
+          <a:bodyPr wrap="square" rtlCol="0">
+            <a:spAutoFit/>
+          </a:bodyPr>
+          <a:lstStyle/>
+          <a:p>
+            <a:pPr algn="ctr"/>
+            <a:r>
+              <a:rPr lang="ko-KR" altLang="en-US" sz="2800" b="1" dirty="0">
+                <a:solidFill>
+                  <a:schemeClr val="bg1"/>
+                </a:solidFill>
+              </a:rPr>
+              <a:t>기획조정실장</a:t>
+            </a:r>
+          </a:p>
+        </p:txBody>
+      </p:sp>
+    </p:spTree>
+    <p:extLst>
+      <p:ext uri="{BB962C8B-B14F-4D97-AF65-F5344CB8AC3E}">
+        <p14:creationId xmlns:p14="http://schemas.microsoft.com/office/powerpoint/2010/main" val="1918995637"/>
       </p:ext>
     </p:extLst>
   </p:cSld>

--- a/양식2.pptx
+++ b/양식2.pptx
@@ -222,7 +222,7 @@
           <a:p>
             <a:fld id="{04FD9B66-E4C8-4943-81FF-076B9424E259}" type="datetimeFigureOut">
               <a:rPr lang="ko-KR" altLang="en-US" smtClean="0"/>
-              <a:t>2022-06-16</a:t>
+              <a:t>2022-06-23</a:t>
             </a:fld>
             <a:endParaRPr lang="ko-KR" altLang="en-US"/>
           </a:p>
@@ -668,7 +668,7 @@
           <a:p>
             <a:fld id="{DEB04459-77A1-459B-84E6-AB5CF6BAEB25}" type="datetimeFigureOut">
               <a:rPr lang="ko-KR" altLang="en-US" smtClean="0"/>
-              <a:t>2022-06-16</a:t>
+              <a:t>2022-06-23</a:t>
             </a:fld>
             <a:endParaRPr lang="ko-KR" altLang="en-US"/>
           </a:p>
@@ -836,7 +836,7 @@
           <a:p>
             <a:fld id="{DEB04459-77A1-459B-84E6-AB5CF6BAEB25}" type="datetimeFigureOut">
               <a:rPr lang="ko-KR" altLang="en-US" smtClean="0"/>
-              <a:t>2022-06-16</a:t>
+              <a:t>2022-06-23</a:t>
             </a:fld>
             <a:endParaRPr lang="ko-KR" altLang="en-US"/>
           </a:p>
@@ -1014,7 +1014,7 @@
           <a:p>
             <a:fld id="{DEB04459-77A1-459B-84E6-AB5CF6BAEB25}" type="datetimeFigureOut">
               <a:rPr lang="ko-KR" altLang="en-US" smtClean="0"/>
-              <a:t>2022-06-16</a:t>
+              <a:t>2022-06-23</a:t>
             </a:fld>
             <a:endParaRPr lang="ko-KR" altLang="en-US"/>
           </a:p>
@@ -1182,7 +1182,7 @@
           <a:p>
             <a:fld id="{DEB04459-77A1-459B-84E6-AB5CF6BAEB25}" type="datetimeFigureOut">
               <a:rPr lang="ko-KR" altLang="en-US" smtClean="0"/>
-              <a:t>2022-06-16</a:t>
+              <a:t>2022-06-23</a:t>
             </a:fld>
             <a:endParaRPr lang="ko-KR" altLang="en-US"/>
           </a:p>
@@ -1427,7 +1427,7 @@
           <a:p>
             <a:fld id="{DEB04459-77A1-459B-84E6-AB5CF6BAEB25}" type="datetimeFigureOut">
               <a:rPr lang="ko-KR" altLang="en-US" smtClean="0"/>
-              <a:t>2022-06-16</a:t>
+              <a:t>2022-06-23</a:t>
             </a:fld>
             <a:endParaRPr lang="ko-KR" altLang="en-US"/>
           </a:p>
@@ -1712,7 +1712,7 @@
           <a:p>
             <a:fld id="{DEB04459-77A1-459B-84E6-AB5CF6BAEB25}" type="datetimeFigureOut">
               <a:rPr lang="ko-KR" altLang="en-US" smtClean="0"/>
-              <a:t>2022-06-16</a:t>
+              <a:t>2022-06-23</a:t>
             </a:fld>
             <a:endParaRPr lang="ko-KR" altLang="en-US"/>
           </a:p>
@@ -2131,7 +2131,7 @@
           <a:p>
             <a:fld id="{DEB04459-77A1-459B-84E6-AB5CF6BAEB25}" type="datetimeFigureOut">
               <a:rPr lang="ko-KR" altLang="en-US" smtClean="0"/>
-              <a:t>2022-06-16</a:t>
+              <a:t>2022-06-23</a:t>
             </a:fld>
             <a:endParaRPr lang="ko-KR" altLang="en-US"/>
           </a:p>
@@ -2248,7 +2248,7 @@
           <a:p>
             <a:fld id="{DEB04459-77A1-459B-84E6-AB5CF6BAEB25}" type="datetimeFigureOut">
               <a:rPr lang="ko-KR" altLang="en-US" smtClean="0"/>
-              <a:t>2022-06-16</a:t>
+              <a:t>2022-06-23</a:t>
             </a:fld>
             <a:endParaRPr lang="ko-KR" altLang="en-US"/>
           </a:p>
@@ -2343,7 +2343,7 @@
           <a:p>
             <a:fld id="{DEB04459-77A1-459B-84E6-AB5CF6BAEB25}" type="datetimeFigureOut">
               <a:rPr lang="ko-KR" altLang="en-US" smtClean="0"/>
-              <a:t>2022-06-16</a:t>
+              <a:t>2022-06-23</a:t>
             </a:fld>
             <a:endParaRPr lang="ko-KR" altLang="en-US"/>
           </a:p>
@@ -2618,7 +2618,7 @@
           <a:p>
             <a:fld id="{DEB04459-77A1-459B-84E6-AB5CF6BAEB25}" type="datetimeFigureOut">
               <a:rPr lang="ko-KR" altLang="en-US" smtClean="0"/>
-              <a:t>2022-06-16</a:t>
+              <a:t>2022-06-23</a:t>
             </a:fld>
             <a:endParaRPr lang="ko-KR" altLang="en-US"/>
           </a:p>
@@ -2870,7 +2870,7 @@
           <a:p>
             <a:fld id="{DEB04459-77A1-459B-84E6-AB5CF6BAEB25}" type="datetimeFigureOut">
               <a:rPr lang="ko-KR" altLang="en-US" smtClean="0"/>
-              <a:t>2022-06-16</a:t>
+              <a:t>2022-06-23</a:t>
             </a:fld>
             <a:endParaRPr lang="ko-KR" altLang="en-US"/>
           </a:p>
@@ -3081,7 +3081,7 @@
           <a:p>
             <a:fld id="{DEB04459-77A1-459B-84E6-AB5CF6BAEB25}" type="datetimeFigureOut">
               <a:rPr lang="ko-KR" altLang="en-US" smtClean="0"/>
-              <a:t>2022-06-16</a:t>
+              <a:t>2022-06-23</a:t>
             </a:fld>
             <a:endParaRPr lang="ko-KR" altLang="en-US"/>
           </a:p>
@@ -3548,7 +3548,7 @@
       </p:sp>
       <p:pic>
         <p:nvPicPr>
-          <p:cNvPr id="7" name="Picture 3">
+          <p:cNvPr id="7" name="Picture">
             <a:extLst>
               <a:ext uri="{FF2B5EF4-FFF2-40B4-BE49-F238E27FC236}">
                 <a16:creationId xmlns:a16="http://schemas.microsoft.com/office/drawing/2014/main" id="{0257DC5D-C1D4-4F7D-BE1F-2BBEBF692CEC}"/>
@@ -3575,7 +3575,7 @@
         </p:blipFill>
         <p:spPr bwMode="auto">
           <a:xfrm>
-            <a:off x="0" y="-3846"/>
+            <a:off x="-11808" y="-35793"/>
             <a:ext cx="10687100" cy="1186461"/>
           </a:xfrm>
           <a:prstGeom prst="rect">
@@ -3815,7 +3815,7 @@
       </p:sp>
       <p:pic>
         <p:nvPicPr>
-          <p:cNvPr id="7" name="Picture 3">
+          <p:cNvPr id="7" name="Picture">
             <a:extLst>
               <a:ext uri="{FF2B5EF4-FFF2-40B4-BE49-F238E27FC236}">
                 <a16:creationId xmlns:a16="http://schemas.microsoft.com/office/drawing/2014/main" id="{0257DC5D-C1D4-4F7D-BE1F-2BBEBF692CEC}"/>
@@ -3842,7 +3842,7 @@
         </p:blipFill>
         <p:spPr bwMode="auto">
           <a:xfrm>
-            <a:off x="0" y="-3846"/>
+            <a:off x="-11808" y="-35793"/>
             <a:ext cx="10687100" cy="1186461"/>
           </a:xfrm>
           <a:prstGeom prst="rect">
@@ -3963,7 +3963,7 @@
     </p:spTree>
     <p:extLst>
       <p:ext uri="{BB962C8B-B14F-4D97-AF65-F5344CB8AC3E}">
-        <p14:creationId xmlns:p14="http://schemas.microsoft.com/office/powerpoint/2010/main" val="1351225939"/>
+        <p14:creationId xmlns:p14="http://schemas.microsoft.com/office/powerpoint/2010/main" val="1907552085"/>
       </p:ext>
     </p:extLst>
   </p:cSld>
@@ -4082,7 +4082,7 @@
       </p:sp>
       <p:pic>
         <p:nvPicPr>
-          <p:cNvPr id="7" name="Picture 3">
+          <p:cNvPr id="7" name="Picture">
             <a:extLst>
               <a:ext uri="{FF2B5EF4-FFF2-40B4-BE49-F238E27FC236}">
                 <a16:creationId xmlns:a16="http://schemas.microsoft.com/office/drawing/2014/main" id="{0257DC5D-C1D4-4F7D-BE1F-2BBEBF692CEC}"/>
@@ -4109,7 +4109,7 @@
         </p:blipFill>
         <p:spPr bwMode="auto">
           <a:xfrm>
-            <a:off x="0" y="-3846"/>
+            <a:off x="-11808" y="-35793"/>
             <a:ext cx="10687100" cy="1186461"/>
           </a:xfrm>
           <a:prstGeom prst="rect">
@@ -4230,7 +4230,7 @@
     </p:spTree>
     <p:extLst>
       <p:ext uri="{BB962C8B-B14F-4D97-AF65-F5344CB8AC3E}">
-        <p14:creationId xmlns:p14="http://schemas.microsoft.com/office/powerpoint/2010/main" val="3645068595"/>
+        <p14:creationId xmlns:p14="http://schemas.microsoft.com/office/powerpoint/2010/main" val="603052613"/>
       </p:ext>
     </p:extLst>
   </p:cSld>
@@ -4349,7 +4349,7 @@
       </p:sp>
       <p:pic>
         <p:nvPicPr>
-          <p:cNvPr id="7" name="Picture 3">
+          <p:cNvPr id="7" name="Picture">
             <a:extLst>
               <a:ext uri="{FF2B5EF4-FFF2-40B4-BE49-F238E27FC236}">
                 <a16:creationId xmlns:a16="http://schemas.microsoft.com/office/drawing/2014/main" id="{0257DC5D-C1D4-4F7D-BE1F-2BBEBF692CEC}"/>
@@ -4376,7 +4376,7 @@
         </p:blipFill>
         <p:spPr bwMode="auto">
           <a:xfrm>
-            <a:off x="0" y="-3846"/>
+            <a:off x="-11808" y="-35793"/>
             <a:ext cx="10687100" cy="1186461"/>
           </a:xfrm>
           <a:prstGeom prst="rect">
@@ -4497,7 +4497,7 @@
     </p:spTree>
     <p:extLst>
       <p:ext uri="{BB962C8B-B14F-4D97-AF65-F5344CB8AC3E}">
-        <p14:creationId xmlns:p14="http://schemas.microsoft.com/office/powerpoint/2010/main" val="861467519"/>
+        <p14:creationId xmlns:p14="http://schemas.microsoft.com/office/powerpoint/2010/main" val="2343364078"/>
       </p:ext>
     </p:extLst>
   </p:cSld>
@@ -4616,7 +4616,7 @@
       </p:sp>
       <p:pic>
         <p:nvPicPr>
-          <p:cNvPr id="7" name="Picture 3">
+          <p:cNvPr id="7" name="Picture">
             <a:extLst>
               <a:ext uri="{FF2B5EF4-FFF2-40B4-BE49-F238E27FC236}">
                 <a16:creationId xmlns:a16="http://schemas.microsoft.com/office/drawing/2014/main" id="{0257DC5D-C1D4-4F7D-BE1F-2BBEBF692CEC}"/>
@@ -4643,7 +4643,7 @@
         </p:blipFill>
         <p:spPr bwMode="auto">
           <a:xfrm>
-            <a:off x="0" y="-3846"/>
+            <a:off x="-11808" y="-35793"/>
             <a:ext cx="10687100" cy="1186461"/>
           </a:xfrm>
           <a:prstGeom prst="rect">
@@ -4764,7 +4764,7 @@
     </p:spTree>
     <p:extLst>
       <p:ext uri="{BB962C8B-B14F-4D97-AF65-F5344CB8AC3E}">
-        <p14:creationId xmlns:p14="http://schemas.microsoft.com/office/powerpoint/2010/main" val="2950116604"/>
+        <p14:creationId xmlns:p14="http://schemas.microsoft.com/office/powerpoint/2010/main" val="3133319026"/>
       </p:ext>
     </p:extLst>
   </p:cSld>
@@ -4883,7 +4883,7 @@
       </p:sp>
       <p:pic>
         <p:nvPicPr>
-          <p:cNvPr id="7" name="Picture 3">
+          <p:cNvPr id="7" name="Picture">
             <a:extLst>
               <a:ext uri="{FF2B5EF4-FFF2-40B4-BE49-F238E27FC236}">
                 <a16:creationId xmlns:a16="http://schemas.microsoft.com/office/drawing/2014/main" id="{0257DC5D-C1D4-4F7D-BE1F-2BBEBF692CEC}"/>
@@ -4910,7 +4910,7 @@
         </p:blipFill>
         <p:spPr bwMode="auto">
           <a:xfrm>
-            <a:off x="0" y="-3846"/>
+            <a:off x="-11808" y="-35793"/>
             <a:ext cx="10687100" cy="1186461"/>
           </a:xfrm>
           <a:prstGeom prst="rect">
@@ -5031,7 +5031,7 @@
     </p:spTree>
     <p:extLst>
       <p:ext uri="{BB962C8B-B14F-4D97-AF65-F5344CB8AC3E}">
-        <p14:creationId xmlns:p14="http://schemas.microsoft.com/office/powerpoint/2010/main" val="3209873221"/>
+        <p14:creationId xmlns:p14="http://schemas.microsoft.com/office/powerpoint/2010/main" val="3860000749"/>
       </p:ext>
     </p:extLst>
   </p:cSld>
@@ -5150,7 +5150,7 @@
       </p:sp>
       <p:pic>
         <p:nvPicPr>
-          <p:cNvPr id="7" name="Picture 3">
+          <p:cNvPr id="7" name="Picture">
             <a:extLst>
               <a:ext uri="{FF2B5EF4-FFF2-40B4-BE49-F238E27FC236}">
                 <a16:creationId xmlns:a16="http://schemas.microsoft.com/office/drawing/2014/main" id="{0257DC5D-C1D4-4F7D-BE1F-2BBEBF692CEC}"/>
@@ -5177,7 +5177,7 @@
         </p:blipFill>
         <p:spPr bwMode="auto">
           <a:xfrm>
-            <a:off x="0" y="-3846"/>
+            <a:off x="-11808" y="-35793"/>
             <a:ext cx="10687100" cy="1186461"/>
           </a:xfrm>
           <a:prstGeom prst="rect">
@@ -5298,7 +5298,7 @@
     </p:spTree>
     <p:extLst>
       <p:ext uri="{BB962C8B-B14F-4D97-AF65-F5344CB8AC3E}">
-        <p14:creationId xmlns:p14="http://schemas.microsoft.com/office/powerpoint/2010/main" val="1918995637"/>
+        <p14:creationId xmlns:p14="http://schemas.microsoft.com/office/powerpoint/2010/main" val="4091934632"/>
       </p:ext>
     </p:extLst>
   </p:cSld>
@@ -5417,7 +5417,7 @@
       </p:sp>
       <p:pic>
         <p:nvPicPr>
-          <p:cNvPr id="7" name="Picture 3">
+          <p:cNvPr id="7" name="Picture">
             <a:extLst>
               <a:ext uri="{FF2B5EF4-FFF2-40B4-BE49-F238E27FC236}">
                 <a16:creationId xmlns:a16="http://schemas.microsoft.com/office/drawing/2014/main" id="{0257DC5D-C1D4-4F7D-BE1F-2BBEBF692CEC}"/>
@@ -5444,7 +5444,7 @@
         </p:blipFill>
         <p:spPr bwMode="auto">
           <a:xfrm>
-            <a:off x="0" y="-3846"/>
+            <a:off x="-11808" y="-35793"/>
             <a:ext cx="10687100" cy="1186461"/>
           </a:xfrm>
           <a:prstGeom prst="rect">
@@ -5565,7 +5565,7 @@
     </p:spTree>
     <p:extLst>
       <p:ext uri="{BB962C8B-B14F-4D97-AF65-F5344CB8AC3E}">
-        <p14:creationId xmlns:p14="http://schemas.microsoft.com/office/powerpoint/2010/main" val="1285811257"/>
+        <p14:creationId xmlns:p14="http://schemas.microsoft.com/office/powerpoint/2010/main" val="426175322"/>
       </p:ext>
     </p:extLst>
   </p:cSld>
@@ -5684,7 +5684,7 @@
       </p:sp>
       <p:pic>
         <p:nvPicPr>
-          <p:cNvPr id="7" name="Picture 3">
+          <p:cNvPr id="7" name="Picture">
             <a:extLst>
               <a:ext uri="{FF2B5EF4-FFF2-40B4-BE49-F238E27FC236}">
                 <a16:creationId xmlns:a16="http://schemas.microsoft.com/office/drawing/2014/main" id="{0257DC5D-C1D4-4F7D-BE1F-2BBEBF692CEC}"/>
@@ -5711,7 +5711,7 @@
         </p:blipFill>
         <p:spPr bwMode="auto">
           <a:xfrm>
-            <a:off x="0" y="-3846"/>
+            <a:off x="-11808" y="-35793"/>
             <a:ext cx="10687100" cy="1186461"/>
           </a:xfrm>
           <a:prstGeom prst="rect">
@@ -5832,7 +5832,7 @@
     </p:spTree>
     <p:extLst>
       <p:ext uri="{BB962C8B-B14F-4D97-AF65-F5344CB8AC3E}">
-        <p14:creationId xmlns:p14="http://schemas.microsoft.com/office/powerpoint/2010/main" val="985043630"/>
+        <p14:creationId xmlns:p14="http://schemas.microsoft.com/office/powerpoint/2010/main" val="293132198"/>
       </p:ext>
     </p:extLst>
   </p:cSld>
@@ -5951,7 +5951,7 @@
       </p:sp>
       <p:pic>
         <p:nvPicPr>
-          <p:cNvPr id="7" name="Picture 3">
+          <p:cNvPr id="7" name="Picture">
             <a:extLst>
               <a:ext uri="{FF2B5EF4-FFF2-40B4-BE49-F238E27FC236}">
                 <a16:creationId xmlns:a16="http://schemas.microsoft.com/office/drawing/2014/main" id="{0257DC5D-C1D4-4F7D-BE1F-2BBEBF692CEC}"/>
@@ -5978,7 +5978,7 @@
         </p:blipFill>
         <p:spPr bwMode="auto">
           <a:xfrm>
-            <a:off x="0" y="-3846"/>
+            <a:off x="-11808" y="-35793"/>
             <a:ext cx="10687100" cy="1186461"/>
           </a:xfrm>
           <a:prstGeom prst="rect">
@@ -6099,7 +6099,7 @@
     </p:spTree>
     <p:extLst>
       <p:ext uri="{BB962C8B-B14F-4D97-AF65-F5344CB8AC3E}">
-        <p14:creationId xmlns:p14="http://schemas.microsoft.com/office/powerpoint/2010/main" val="4082437204"/>
+        <p14:creationId xmlns:p14="http://schemas.microsoft.com/office/powerpoint/2010/main" val="3952620925"/>
       </p:ext>
     </p:extLst>
   </p:cSld>
@@ -6218,7 +6218,7 @@
       </p:sp>
       <p:pic>
         <p:nvPicPr>
-          <p:cNvPr id="7" name="Picture 3">
+          <p:cNvPr id="7" name="Picture">
             <a:extLst>
               <a:ext uri="{FF2B5EF4-FFF2-40B4-BE49-F238E27FC236}">
                 <a16:creationId xmlns:a16="http://schemas.microsoft.com/office/drawing/2014/main" id="{0257DC5D-C1D4-4F7D-BE1F-2BBEBF692CEC}"/>
@@ -6245,7 +6245,7 @@
         </p:blipFill>
         <p:spPr bwMode="auto">
           <a:xfrm>
-            <a:off x="0" y="-3846"/>
+            <a:off x="-11808" y="-35793"/>
             <a:ext cx="10687100" cy="1186461"/>
           </a:xfrm>
           <a:prstGeom prst="rect">
@@ -6366,7 +6366,7 @@
     </p:spTree>
     <p:extLst>
       <p:ext uri="{BB962C8B-B14F-4D97-AF65-F5344CB8AC3E}">
-        <p14:creationId xmlns:p14="http://schemas.microsoft.com/office/powerpoint/2010/main" val="1030406891"/>
+        <p14:creationId xmlns:p14="http://schemas.microsoft.com/office/powerpoint/2010/main" val="1893290676"/>
       </p:ext>
     </p:extLst>
   </p:cSld>
@@ -6485,7 +6485,7 @@
       </p:sp>
       <p:pic>
         <p:nvPicPr>
-          <p:cNvPr id="7" name="Picture 3">
+          <p:cNvPr id="7" name="Picture">
             <a:extLst>
               <a:ext uri="{FF2B5EF4-FFF2-40B4-BE49-F238E27FC236}">
                 <a16:creationId xmlns:a16="http://schemas.microsoft.com/office/drawing/2014/main" id="{0257DC5D-C1D4-4F7D-BE1F-2BBEBF692CEC}"/>
@@ -6512,7 +6512,7 @@
         </p:blipFill>
         <p:spPr bwMode="auto">
           <a:xfrm>
-            <a:off x="0" y="-3846"/>
+            <a:off x="-11808" y="-35793"/>
             <a:ext cx="10687100" cy="1186461"/>
           </a:xfrm>
           <a:prstGeom prst="rect">
@@ -6633,7 +6633,7 @@
     </p:spTree>
     <p:extLst>
       <p:ext uri="{BB962C8B-B14F-4D97-AF65-F5344CB8AC3E}">
-        <p14:creationId xmlns:p14="http://schemas.microsoft.com/office/powerpoint/2010/main" val="3108353647"/>
+        <p14:creationId xmlns:p14="http://schemas.microsoft.com/office/powerpoint/2010/main" val="2959161653"/>
       </p:ext>
     </p:extLst>
   </p:cSld>
@@ -6752,7 +6752,7 @@
       </p:sp>
       <p:pic>
         <p:nvPicPr>
-          <p:cNvPr id="7" name="Picture 3">
+          <p:cNvPr id="7" name="Picture">
             <a:extLst>
               <a:ext uri="{FF2B5EF4-FFF2-40B4-BE49-F238E27FC236}">
                 <a16:creationId xmlns:a16="http://schemas.microsoft.com/office/drawing/2014/main" id="{0257DC5D-C1D4-4F7D-BE1F-2BBEBF692CEC}"/>
@@ -6779,7 +6779,7 @@
         </p:blipFill>
         <p:spPr bwMode="auto">
           <a:xfrm>
-            <a:off x="0" y="-3846"/>
+            <a:off x="-11808" y="-35793"/>
             <a:ext cx="10687100" cy="1186461"/>
           </a:xfrm>
           <a:prstGeom prst="rect">
@@ -6900,7 +6900,7 @@
     </p:spTree>
     <p:extLst>
       <p:ext uri="{BB962C8B-B14F-4D97-AF65-F5344CB8AC3E}">
-        <p14:creationId xmlns:p14="http://schemas.microsoft.com/office/powerpoint/2010/main" val="2032511553"/>
+        <p14:creationId xmlns:p14="http://schemas.microsoft.com/office/powerpoint/2010/main" val="1955621292"/>
       </p:ext>
     </p:extLst>
   </p:cSld>
@@ -7019,7 +7019,7 @@
       </p:sp>
       <p:pic>
         <p:nvPicPr>
-          <p:cNvPr id="7" name="Picture 3">
+          <p:cNvPr id="7" name="Picture">
             <a:extLst>
               <a:ext uri="{FF2B5EF4-FFF2-40B4-BE49-F238E27FC236}">
                 <a16:creationId xmlns:a16="http://schemas.microsoft.com/office/drawing/2014/main" id="{0257DC5D-C1D4-4F7D-BE1F-2BBEBF692CEC}"/>
@@ -7046,7 +7046,7 @@
         </p:blipFill>
         <p:spPr bwMode="auto">
           <a:xfrm>
-            <a:off x="0" y="-3846"/>
+            <a:off x="-11808" y="-35793"/>
             <a:ext cx="10687100" cy="1186461"/>
           </a:xfrm>
           <a:prstGeom prst="rect">
@@ -7167,7 +7167,7 @@
     </p:spTree>
     <p:extLst>
       <p:ext uri="{BB962C8B-B14F-4D97-AF65-F5344CB8AC3E}">
-        <p14:creationId xmlns:p14="http://schemas.microsoft.com/office/powerpoint/2010/main" val="415081792"/>
+        <p14:creationId xmlns:p14="http://schemas.microsoft.com/office/powerpoint/2010/main" val="181701877"/>
       </p:ext>
     </p:extLst>
   </p:cSld>
@@ -7286,7 +7286,7 @@
       </p:sp>
       <p:pic>
         <p:nvPicPr>
-          <p:cNvPr id="7" name="Picture 3">
+          <p:cNvPr id="7" name="Picture">
             <a:extLst>
               <a:ext uri="{FF2B5EF4-FFF2-40B4-BE49-F238E27FC236}">
                 <a16:creationId xmlns:a16="http://schemas.microsoft.com/office/drawing/2014/main" id="{0257DC5D-C1D4-4F7D-BE1F-2BBEBF692CEC}"/>
@@ -7313,7 +7313,7 @@
         </p:blipFill>
         <p:spPr bwMode="auto">
           <a:xfrm>
-            <a:off x="0" y="-3846"/>
+            <a:off x="-11808" y="-35793"/>
             <a:ext cx="10687100" cy="1186461"/>
           </a:xfrm>
           <a:prstGeom prst="rect">
@@ -7434,7 +7434,7 @@
     </p:spTree>
     <p:extLst>
       <p:ext uri="{BB962C8B-B14F-4D97-AF65-F5344CB8AC3E}">
-        <p14:creationId xmlns:p14="http://schemas.microsoft.com/office/powerpoint/2010/main" val="2094506259"/>
+        <p14:creationId xmlns:p14="http://schemas.microsoft.com/office/powerpoint/2010/main" val="2227961687"/>
       </p:ext>
     </p:extLst>
   </p:cSld>

--- a/양식2.pptx
+++ b/양식2.pptx
@@ -222,7 +222,7 @@
           <a:p>
             <a:fld id="{04FD9B66-E4C8-4943-81FF-076B9424E259}" type="datetimeFigureOut">
               <a:rPr lang="ko-KR" altLang="en-US" smtClean="0"/>
-              <a:t>2022-06-23</a:t>
+              <a:t>2022-06-28</a:t>
             </a:fld>
             <a:endParaRPr lang="ko-KR" altLang="en-US"/>
           </a:p>
@@ -668,7 +668,7 @@
           <a:p>
             <a:fld id="{DEB04459-77A1-459B-84E6-AB5CF6BAEB25}" type="datetimeFigureOut">
               <a:rPr lang="ko-KR" altLang="en-US" smtClean="0"/>
-              <a:t>2022-06-23</a:t>
+              <a:t>2022-06-28</a:t>
             </a:fld>
             <a:endParaRPr lang="ko-KR" altLang="en-US"/>
           </a:p>
@@ -836,7 +836,7 @@
           <a:p>
             <a:fld id="{DEB04459-77A1-459B-84E6-AB5CF6BAEB25}" type="datetimeFigureOut">
               <a:rPr lang="ko-KR" altLang="en-US" smtClean="0"/>
-              <a:t>2022-06-23</a:t>
+              <a:t>2022-06-28</a:t>
             </a:fld>
             <a:endParaRPr lang="ko-KR" altLang="en-US"/>
           </a:p>
@@ -1014,7 +1014,7 @@
           <a:p>
             <a:fld id="{DEB04459-77A1-459B-84E6-AB5CF6BAEB25}" type="datetimeFigureOut">
               <a:rPr lang="ko-KR" altLang="en-US" smtClean="0"/>
-              <a:t>2022-06-23</a:t>
+              <a:t>2022-06-28</a:t>
             </a:fld>
             <a:endParaRPr lang="ko-KR" altLang="en-US"/>
           </a:p>
@@ -1182,7 +1182,7 @@
           <a:p>
             <a:fld id="{DEB04459-77A1-459B-84E6-AB5CF6BAEB25}" type="datetimeFigureOut">
               <a:rPr lang="ko-KR" altLang="en-US" smtClean="0"/>
-              <a:t>2022-06-23</a:t>
+              <a:t>2022-06-28</a:t>
             </a:fld>
             <a:endParaRPr lang="ko-KR" altLang="en-US"/>
           </a:p>
@@ -1427,7 +1427,7 @@
           <a:p>
             <a:fld id="{DEB04459-77A1-459B-84E6-AB5CF6BAEB25}" type="datetimeFigureOut">
               <a:rPr lang="ko-KR" altLang="en-US" smtClean="0"/>
-              <a:t>2022-06-23</a:t>
+              <a:t>2022-06-28</a:t>
             </a:fld>
             <a:endParaRPr lang="ko-KR" altLang="en-US"/>
           </a:p>
@@ -1712,7 +1712,7 @@
           <a:p>
             <a:fld id="{DEB04459-77A1-459B-84E6-AB5CF6BAEB25}" type="datetimeFigureOut">
               <a:rPr lang="ko-KR" altLang="en-US" smtClean="0"/>
-              <a:t>2022-06-23</a:t>
+              <a:t>2022-06-28</a:t>
             </a:fld>
             <a:endParaRPr lang="ko-KR" altLang="en-US"/>
           </a:p>
@@ -2131,7 +2131,7 @@
           <a:p>
             <a:fld id="{DEB04459-77A1-459B-84E6-AB5CF6BAEB25}" type="datetimeFigureOut">
               <a:rPr lang="ko-KR" altLang="en-US" smtClean="0"/>
-              <a:t>2022-06-23</a:t>
+              <a:t>2022-06-28</a:t>
             </a:fld>
             <a:endParaRPr lang="ko-KR" altLang="en-US"/>
           </a:p>
@@ -2248,7 +2248,7 @@
           <a:p>
             <a:fld id="{DEB04459-77A1-459B-84E6-AB5CF6BAEB25}" type="datetimeFigureOut">
               <a:rPr lang="ko-KR" altLang="en-US" smtClean="0"/>
-              <a:t>2022-06-23</a:t>
+              <a:t>2022-06-28</a:t>
             </a:fld>
             <a:endParaRPr lang="ko-KR" altLang="en-US"/>
           </a:p>
@@ -2343,7 +2343,7 @@
           <a:p>
             <a:fld id="{DEB04459-77A1-459B-84E6-AB5CF6BAEB25}" type="datetimeFigureOut">
               <a:rPr lang="ko-KR" altLang="en-US" smtClean="0"/>
-              <a:t>2022-06-23</a:t>
+              <a:t>2022-06-28</a:t>
             </a:fld>
             <a:endParaRPr lang="ko-KR" altLang="en-US"/>
           </a:p>
@@ -2618,7 +2618,7 @@
           <a:p>
             <a:fld id="{DEB04459-77A1-459B-84E6-AB5CF6BAEB25}" type="datetimeFigureOut">
               <a:rPr lang="ko-KR" altLang="en-US" smtClean="0"/>
-              <a:t>2022-06-23</a:t>
+              <a:t>2022-06-28</a:t>
             </a:fld>
             <a:endParaRPr lang="ko-KR" altLang="en-US"/>
           </a:p>
@@ -2870,7 +2870,7 @@
           <a:p>
             <a:fld id="{DEB04459-77A1-459B-84E6-AB5CF6BAEB25}" type="datetimeFigureOut">
               <a:rPr lang="ko-KR" altLang="en-US" smtClean="0"/>
-              <a:t>2022-06-23</a:t>
+              <a:t>2022-06-28</a:t>
             </a:fld>
             <a:endParaRPr lang="ko-KR" altLang="en-US"/>
           </a:p>
@@ -3081,7 +3081,7 @@
           <a:p>
             <a:fld id="{DEB04459-77A1-459B-84E6-AB5CF6BAEB25}" type="datetimeFigureOut">
               <a:rPr lang="ko-KR" altLang="en-US" smtClean="0"/>
-              <a:t>2022-06-23</a:t>
+              <a:t>2022-06-28</a:t>
             </a:fld>
             <a:endParaRPr lang="ko-KR" altLang="en-US"/>
           </a:p>
@@ -3458,7 +3458,7 @@
       </p:grpSpPr>
       <p:sp>
         <p:nvSpPr>
-          <p:cNvPr id="9" name="직사각형 8"/>
+          <p:cNvPr id="9" name="직사각형 1"/>
           <p:cNvSpPr/>
           <p:nvPr/>
         </p:nvSpPr>
@@ -3725,7 +3725,7 @@
       </p:grpSpPr>
       <p:sp>
         <p:nvSpPr>
-          <p:cNvPr id="9" name="직사각형 8"/>
+          <p:cNvPr id="9" name="직사각형 1"/>
           <p:cNvSpPr/>
           <p:nvPr/>
         </p:nvSpPr>
@@ -3963,7 +3963,7 @@
     </p:spTree>
     <p:extLst>
       <p:ext uri="{BB962C8B-B14F-4D97-AF65-F5344CB8AC3E}">
-        <p14:creationId xmlns:p14="http://schemas.microsoft.com/office/powerpoint/2010/main" val="1907552085"/>
+        <p14:creationId xmlns:p14="http://schemas.microsoft.com/office/powerpoint/2010/main" val="3147437691"/>
       </p:ext>
     </p:extLst>
   </p:cSld>
@@ -3992,7 +3992,7 @@
       </p:grpSpPr>
       <p:sp>
         <p:nvSpPr>
-          <p:cNvPr id="9" name="직사각형 8"/>
+          <p:cNvPr id="9" name="직사각형 1"/>
           <p:cNvSpPr/>
           <p:nvPr/>
         </p:nvSpPr>
@@ -4230,7 +4230,7 @@
     </p:spTree>
     <p:extLst>
       <p:ext uri="{BB962C8B-B14F-4D97-AF65-F5344CB8AC3E}">
-        <p14:creationId xmlns:p14="http://schemas.microsoft.com/office/powerpoint/2010/main" val="603052613"/>
+        <p14:creationId xmlns:p14="http://schemas.microsoft.com/office/powerpoint/2010/main" val="2715619388"/>
       </p:ext>
     </p:extLst>
   </p:cSld>
@@ -4259,7 +4259,7 @@
       </p:grpSpPr>
       <p:sp>
         <p:nvSpPr>
-          <p:cNvPr id="9" name="직사각형 8"/>
+          <p:cNvPr id="9" name="직사각형 1"/>
           <p:cNvSpPr/>
           <p:nvPr/>
         </p:nvSpPr>
@@ -4497,7 +4497,7 @@
     </p:spTree>
     <p:extLst>
       <p:ext uri="{BB962C8B-B14F-4D97-AF65-F5344CB8AC3E}">
-        <p14:creationId xmlns:p14="http://schemas.microsoft.com/office/powerpoint/2010/main" val="2343364078"/>
+        <p14:creationId xmlns:p14="http://schemas.microsoft.com/office/powerpoint/2010/main" val="3030734224"/>
       </p:ext>
     </p:extLst>
   </p:cSld>
@@ -4526,7 +4526,7 @@
       </p:grpSpPr>
       <p:sp>
         <p:nvSpPr>
-          <p:cNvPr id="9" name="직사각형 8"/>
+          <p:cNvPr id="9" name="직사각형 1"/>
           <p:cNvSpPr/>
           <p:nvPr/>
         </p:nvSpPr>
@@ -4764,7 +4764,7 @@
     </p:spTree>
     <p:extLst>
       <p:ext uri="{BB962C8B-B14F-4D97-AF65-F5344CB8AC3E}">
-        <p14:creationId xmlns:p14="http://schemas.microsoft.com/office/powerpoint/2010/main" val="3133319026"/>
+        <p14:creationId xmlns:p14="http://schemas.microsoft.com/office/powerpoint/2010/main" val="1061260298"/>
       </p:ext>
     </p:extLst>
   </p:cSld>
@@ -4793,7 +4793,7 @@
       </p:grpSpPr>
       <p:sp>
         <p:nvSpPr>
-          <p:cNvPr id="9" name="직사각형 8"/>
+          <p:cNvPr id="9" name="직사각형 1"/>
           <p:cNvSpPr/>
           <p:nvPr/>
         </p:nvSpPr>
@@ -5031,7 +5031,7 @@
     </p:spTree>
     <p:extLst>
       <p:ext uri="{BB962C8B-B14F-4D97-AF65-F5344CB8AC3E}">
-        <p14:creationId xmlns:p14="http://schemas.microsoft.com/office/powerpoint/2010/main" val="3860000749"/>
+        <p14:creationId xmlns:p14="http://schemas.microsoft.com/office/powerpoint/2010/main" val="3033035130"/>
       </p:ext>
     </p:extLst>
   </p:cSld>
@@ -5060,7 +5060,7 @@
       </p:grpSpPr>
       <p:sp>
         <p:nvSpPr>
-          <p:cNvPr id="9" name="직사각형 8"/>
+          <p:cNvPr id="9" name="직사각형 1"/>
           <p:cNvSpPr/>
           <p:nvPr/>
         </p:nvSpPr>
@@ -5298,7 +5298,7 @@
     </p:spTree>
     <p:extLst>
       <p:ext uri="{BB962C8B-B14F-4D97-AF65-F5344CB8AC3E}">
-        <p14:creationId xmlns:p14="http://schemas.microsoft.com/office/powerpoint/2010/main" val="4091934632"/>
+        <p14:creationId xmlns:p14="http://schemas.microsoft.com/office/powerpoint/2010/main" val="3485139120"/>
       </p:ext>
     </p:extLst>
   </p:cSld>
@@ -5327,7 +5327,7 @@
       </p:grpSpPr>
       <p:sp>
         <p:nvSpPr>
-          <p:cNvPr id="9" name="직사각형 8"/>
+          <p:cNvPr id="9" name="직사각형 1"/>
           <p:cNvSpPr/>
           <p:nvPr/>
         </p:nvSpPr>
@@ -5565,7 +5565,7 @@
     </p:spTree>
     <p:extLst>
       <p:ext uri="{BB962C8B-B14F-4D97-AF65-F5344CB8AC3E}">
-        <p14:creationId xmlns:p14="http://schemas.microsoft.com/office/powerpoint/2010/main" val="426175322"/>
+        <p14:creationId xmlns:p14="http://schemas.microsoft.com/office/powerpoint/2010/main" val="1570452592"/>
       </p:ext>
     </p:extLst>
   </p:cSld>
@@ -5594,7 +5594,7 @@
       </p:grpSpPr>
       <p:sp>
         <p:nvSpPr>
-          <p:cNvPr id="9" name="직사각형 8"/>
+          <p:cNvPr id="9" name="직사각형 1"/>
           <p:cNvSpPr/>
           <p:nvPr/>
         </p:nvSpPr>
@@ -5832,7 +5832,7 @@
     </p:spTree>
     <p:extLst>
       <p:ext uri="{BB962C8B-B14F-4D97-AF65-F5344CB8AC3E}">
-        <p14:creationId xmlns:p14="http://schemas.microsoft.com/office/powerpoint/2010/main" val="293132198"/>
+        <p14:creationId xmlns:p14="http://schemas.microsoft.com/office/powerpoint/2010/main" val="3388943923"/>
       </p:ext>
     </p:extLst>
   </p:cSld>
@@ -5861,7 +5861,7 @@
       </p:grpSpPr>
       <p:sp>
         <p:nvSpPr>
-          <p:cNvPr id="9" name="직사각형 8"/>
+          <p:cNvPr id="9" name="직사각형 1"/>
           <p:cNvSpPr/>
           <p:nvPr/>
         </p:nvSpPr>
@@ -6099,7 +6099,7 @@
     </p:spTree>
     <p:extLst>
       <p:ext uri="{BB962C8B-B14F-4D97-AF65-F5344CB8AC3E}">
-        <p14:creationId xmlns:p14="http://schemas.microsoft.com/office/powerpoint/2010/main" val="3952620925"/>
+        <p14:creationId xmlns:p14="http://schemas.microsoft.com/office/powerpoint/2010/main" val="1810697349"/>
       </p:ext>
     </p:extLst>
   </p:cSld>
@@ -6128,7 +6128,7 @@
       </p:grpSpPr>
       <p:sp>
         <p:nvSpPr>
-          <p:cNvPr id="9" name="직사각형 8"/>
+          <p:cNvPr id="9" name="직사각형 1"/>
           <p:cNvSpPr/>
           <p:nvPr/>
         </p:nvSpPr>
@@ -6366,7 +6366,7 @@
     </p:spTree>
     <p:extLst>
       <p:ext uri="{BB962C8B-B14F-4D97-AF65-F5344CB8AC3E}">
-        <p14:creationId xmlns:p14="http://schemas.microsoft.com/office/powerpoint/2010/main" val="1893290676"/>
+        <p14:creationId xmlns:p14="http://schemas.microsoft.com/office/powerpoint/2010/main" val="1628218499"/>
       </p:ext>
     </p:extLst>
   </p:cSld>
@@ -6395,7 +6395,7 @@
       </p:grpSpPr>
       <p:sp>
         <p:nvSpPr>
-          <p:cNvPr id="9" name="직사각형 8"/>
+          <p:cNvPr id="9" name="직사각형 1"/>
           <p:cNvSpPr/>
           <p:nvPr/>
         </p:nvSpPr>
@@ -6633,7 +6633,7 @@
     </p:spTree>
     <p:extLst>
       <p:ext uri="{BB962C8B-B14F-4D97-AF65-F5344CB8AC3E}">
-        <p14:creationId xmlns:p14="http://schemas.microsoft.com/office/powerpoint/2010/main" val="2959161653"/>
+        <p14:creationId xmlns:p14="http://schemas.microsoft.com/office/powerpoint/2010/main" val="238245224"/>
       </p:ext>
     </p:extLst>
   </p:cSld>
@@ -6662,7 +6662,7 @@
       </p:grpSpPr>
       <p:sp>
         <p:nvSpPr>
-          <p:cNvPr id="9" name="직사각형 8"/>
+          <p:cNvPr id="9" name="직사각형 1"/>
           <p:cNvSpPr/>
           <p:nvPr/>
         </p:nvSpPr>
@@ -6900,7 +6900,7 @@
     </p:spTree>
     <p:extLst>
       <p:ext uri="{BB962C8B-B14F-4D97-AF65-F5344CB8AC3E}">
-        <p14:creationId xmlns:p14="http://schemas.microsoft.com/office/powerpoint/2010/main" val="1955621292"/>
+        <p14:creationId xmlns:p14="http://schemas.microsoft.com/office/powerpoint/2010/main" val="2692473285"/>
       </p:ext>
     </p:extLst>
   </p:cSld>
@@ -6929,7 +6929,7 @@
       </p:grpSpPr>
       <p:sp>
         <p:nvSpPr>
-          <p:cNvPr id="9" name="직사각형 8"/>
+          <p:cNvPr id="9" name="직사각형 1"/>
           <p:cNvSpPr/>
           <p:nvPr/>
         </p:nvSpPr>
@@ -7167,7 +7167,7 @@
     </p:spTree>
     <p:extLst>
       <p:ext uri="{BB962C8B-B14F-4D97-AF65-F5344CB8AC3E}">
-        <p14:creationId xmlns:p14="http://schemas.microsoft.com/office/powerpoint/2010/main" val="181701877"/>
+        <p14:creationId xmlns:p14="http://schemas.microsoft.com/office/powerpoint/2010/main" val="2024599353"/>
       </p:ext>
     </p:extLst>
   </p:cSld>
@@ -7196,7 +7196,7 @@
       </p:grpSpPr>
       <p:sp>
         <p:nvSpPr>
-          <p:cNvPr id="9" name="직사각형 8"/>
+          <p:cNvPr id="9" name="직사각형 1"/>
           <p:cNvSpPr/>
           <p:nvPr/>
         </p:nvSpPr>
@@ -7434,7 +7434,7 @@
     </p:spTree>
     <p:extLst>
       <p:ext uri="{BB962C8B-B14F-4D97-AF65-F5344CB8AC3E}">
-        <p14:creationId xmlns:p14="http://schemas.microsoft.com/office/powerpoint/2010/main" val="2227961687"/>
+        <p14:creationId xmlns:p14="http://schemas.microsoft.com/office/powerpoint/2010/main" val="1167486063"/>
       </p:ext>
     </p:extLst>
   </p:cSld>
